--- a/ppt 16-9/1421.不可叫人小看.pptx
+++ b/ppt 16-9/1421.不可叫人小看.pptx
@@ -5,7 +5,7 @@
     <p:sldMasterId id="2147483648" r:id="rId1"/>
   </p:sldMasterIdLst>
   <p:sldIdLst>
-    <p:sldId id="992" r:id="rId2"/>
+    <p:sldId id="993" r:id="rId2"/>
   </p:sldIdLst>
   <p:sldSz cx="12192000" cy="6858000"/>
   <p:notesSz cx="6858000" cy="9144000"/>
@@ -129,7 +129,7 @@
           <p:cNvPr id="2" name="标题 1">
             <a:extLst>
               <a:ext uri="{FF2B5EF4-FFF2-40B4-BE49-F238E27FC236}">
-                <a16:creationId xmlns:a16="http://schemas.microsoft.com/office/drawing/2014/main" id="{EBEBF3F8-529C-00BB-5C2B-D4FD9D34A340}"/>
+                <a16:creationId xmlns:a16="http://schemas.microsoft.com/office/drawing/2014/main" id="{F1F32C9B-AEDF-14BE-FB7D-F73AEFA23679}"/>
               </a:ext>
             </a:extLst>
           </p:cNvPr>
@@ -166,7 +166,7 @@
           <p:cNvPr id="3" name="副标题 2">
             <a:extLst>
               <a:ext uri="{FF2B5EF4-FFF2-40B4-BE49-F238E27FC236}">
-                <a16:creationId xmlns:a16="http://schemas.microsoft.com/office/drawing/2014/main" id="{82EAB53A-B8CA-35D3-FB4E-8F51E97A5EE8}"/>
+                <a16:creationId xmlns:a16="http://schemas.microsoft.com/office/drawing/2014/main" id="{0D15DF0C-A5F5-608A-B834-CAC7AC46EE7F}"/>
               </a:ext>
             </a:extLst>
           </p:cNvPr>
@@ -236,7 +236,7 @@
           <p:cNvPr id="4" name="日期占位符 3">
             <a:extLst>
               <a:ext uri="{FF2B5EF4-FFF2-40B4-BE49-F238E27FC236}">
-                <a16:creationId xmlns:a16="http://schemas.microsoft.com/office/drawing/2014/main" id="{5773BEBD-002E-2198-C696-A0E272459C63}"/>
+                <a16:creationId xmlns:a16="http://schemas.microsoft.com/office/drawing/2014/main" id="{A14062D9-8E88-1AB7-AD39-6678AB2730B8}"/>
               </a:ext>
             </a:extLst>
           </p:cNvPr>
@@ -252,7 +252,7 @@
           <a:bodyPr/>
           <a:lstStyle/>
           <a:p>
-            <a:fld id="{8DB99F02-701C-4977-A5E4-7BF68E32B155}" type="datetimeFigureOut">
+            <a:fld id="{9F022672-2ECA-45F3-B379-E6880AFA84DA}" type="datetimeFigureOut">
               <a:rPr lang="zh-CN" altLang="en-US" smtClean="0"/>
               <a:t>2024/3/10</a:t>
             </a:fld>
@@ -265,7 +265,7 @@
           <p:cNvPr id="5" name="页脚占位符 4">
             <a:extLst>
               <a:ext uri="{FF2B5EF4-FFF2-40B4-BE49-F238E27FC236}">
-                <a16:creationId xmlns:a16="http://schemas.microsoft.com/office/drawing/2014/main" id="{B13B3194-73AE-5707-7198-F26884E3B247}"/>
+                <a16:creationId xmlns:a16="http://schemas.microsoft.com/office/drawing/2014/main" id="{7E938CDD-2388-4C8E-A479-A6D03F8484AE}"/>
               </a:ext>
             </a:extLst>
           </p:cNvPr>
@@ -290,7 +290,7 @@
           <p:cNvPr id="6" name="灯片编号占位符 5">
             <a:extLst>
               <a:ext uri="{FF2B5EF4-FFF2-40B4-BE49-F238E27FC236}">
-                <a16:creationId xmlns:a16="http://schemas.microsoft.com/office/drawing/2014/main" id="{EB99F93B-C8B8-9472-BE5C-D4D1E3A51B22}"/>
+                <a16:creationId xmlns:a16="http://schemas.microsoft.com/office/drawing/2014/main" id="{843E2EDB-47C5-272F-6ED1-5D541BB5245E}"/>
               </a:ext>
             </a:extLst>
           </p:cNvPr>
@@ -306,7 +306,7 @@
           <a:bodyPr/>
           <a:lstStyle/>
           <a:p>
-            <a:fld id="{7EB7C1C3-E3ED-4522-BCEA-631639F210A3}" type="slidenum">
+            <a:fld id="{77CFFC78-6514-4E65-AA0D-2C795A4200CF}" type="slidenum">
               <a:rPr lang="zh-CN" altLang="en-US" smtClean="0"/>
               <a:t>‹#›</a:t>
             </a:fld>
@@ -317,7 +317,7 @@
     </p:spTree>
     <p:extLst>
       <p:ext uri="{BB962C8B-B14F-4D97-AF65-F5344CB8AC3E}">
-        <p14:creationId xmlns:p14="http://schemas.microsoft.com/office/powerpoint/2010/main" val="2129166074"/>
+        <p14:creationId xmlns:p14="http://schemas.microsoft.com/office/powerpoint/2010/main" val="2339321060"/>
       </p:ext>
     </p:extLst>
   </p:cSld>
@@ -349,7 +349,7 @@
           <p:cNvPr id="2" name="标题 1">
             <a:extLst>
               <a:ext uri="{FF2B5EF4-FFF2-40B4-BE49-F238E27FC236}">
-                <a16:creationId xmlns:a16="http://schemas.microsoft.com/office/drawing/2014/main" id="{4B9AA0EF-CBA8-48AB-0653-7E0217741BD2}"/>
+                <a16:creationId xmlns:a16="http://schemas.microsoft.com/office/drawing/2014/main" id="{3E1773F1-4070-41BF-FA7F-9BF69A467D69}"/>
               </a:ext>
             </a:extLst>
           </p:cNvPr>
@@ -377,7 +377,7 @@
           <p:cNvPr id="3" name="竖排文字占位符 2">
             <a:extLst>
               <a:ext uri="{FF2B5EF4-FFF2-40B4-BE49-F238E27FC236}">
-                <a16:creationId xmlns:a16="http://schemas.microsoft.com/office/drawing/2014/main" id="{DE6AF8D4-4ADA-853D-B8B1-1D10E8CE17B6}"/>
+                <a16:creationId xmlns:a16="http://schemas.microsoft.com/office/drawing/2014/main" id="{B62964C4-06E7-45D9-84F3-BE75B8F676C1}"/>
               </a:ext>
             </a:extLst>
           </p:cNvPr>
@@ -434,7 +434,7 @@
           <p:cNvPr id="4" name="日期占位符 3">
             <a:extLst>
               <a:ext uri="{FF2B5EF4-FFF2-40B4-BE49-F238E27FC236}">
-                <a16:creationId xmlns:a16="http://schemas.microsoft.com/office/drawing/2014/main" id="{5CDE965B-F875-FC80-5955-A2023B4D9D0D}"/>
+                <a16:creationId xmlns:a16="http://schemas.microsoft.com/office/drawing/2014/main" id="{5010EB99-D7ED-8DAF-7E0B-B2191B8A6143}"/>
               </a:ext>
             </a:extLst>
           </p:cNvPr>
@@ -450,7 +450,7 @@
           <a:bodyPr/>
           <a:lstStyle/>
           <a:p>
-            <a:fld id="{8DB99F02-701C-4977-A5E4-7BF68E32B155}" type="datetimeFigureOut">
+            <a:fld id="{9F022672-2ECA-45F3-B379-E6880AFA84DA}" type="datetimeFigureOut">
               <a:rPr lang="zh-CN" altLang="en-US" smtClean="0"/>
               <a:t>2024/3/10</a:t>
             </a:fld>
@@ -463,7 +463,7 @@
           <p:cNvPr id="5" name="页脚占位符 4">
             <a:extLst>
               <a:ext uri="{FF2B5EF4-FFF2-40B4-BE49-F238E27FC236}">
-                <a16:creationId xmlns:a16="http://schemas.microsoft.com/office/drawing/2014/main" id="{FDC52A53-4C56-6242-E9C5-B9DD7A0EACE0}"/>
+                <a16:creationId xmlns:a16="http://schemas.microsoft.com/office/drawing/2014/main" id="{B77D1D89-CF67-6FB4-702C-4EFFBBB9454E}"/>
               </a:ext>
             </a:extLst>
           </p:cNvPr>
@@ -488,7 +488,7 @@
           <p:cNvPr id="6" name="灯片编号占位符 5">
             <a:extLst>
               <a:ext uri="{FF2B5EF4-FFF2-40B4-BE49-F238E27FC236}">
-                <a16:creationId xmlns:a16="http://schemas.microsoft.com/office/drawing/2014/main" id="{19AC9C98-F997-2C16-D6F1-FA0D62A09C35}"/>
+                <a16:creationId xmlns:a16="http://schemas.microsoft.com/office/drawing/2014/main" id="{4D04DDDC-8379-30B1-B2B1-58928F2CD870}"/>
               </a:ext>
             </a:extLst>
           </p:cNvPr>
@@ -504,7 +504,7 @@
           <a:bodyPr/>
           <a:lstStyle/>
           <a:p>
-            <a:fld id="{7EB7C1C3-E3ED-4522-BCEA-631639F210A3}" type="slidenum">
+            <a:fld id="{77CFFC78-6514-4E65-AA0D-2C795A4200CF}" type="slidenum">
               <a:rPr lang="zh-CN" altLang="en-US" smtClean="0"/>
               <a:t>‹#›</a:t>
             </a:fld>
@@ -515,7 +515,7 @@
     </p:spTree>
     <p:extLst>
       <p:ext uri="{BB962C8B-B14F-4D97-AF65-F5344CB8AC3E}">
-        <p14:creationId xmlns:p14="http://schemas.microsoft.com/office/powerpoint/2010/main" val="2127985198"/>
+        <p14:creationId xmlns:p14="http://schemas.microsoft.com/office/powerpoint/2010/main" val="2657205386"/>
       </p:ext>
     </p:extLst>
   </p:cSld>
@@ -547,7 +547,7 @@
           <p:cNvPr id="2" name="竖排标题 1">
             <a:extLst>
               <a:ext uri="{FF2B5EF4-FFF2-40B4-BE49-F238E27FC236}">
-                <a16:creationId xmlns:a16="http://schemas.microsoft.com/office/drawing/2014/main" id="{1403B358-9D22-E5FA-0FD5-C46BB7D32B68}"/>
+                <a16:creationId xmlns:a16="http://schemas.microsoft.com/office/drawing/2014/main" id="{27E2A39D-33FE-8480-915A-D0676D69F04D}"/>
               </a:ext>
             </a:extLst>
           </p:cNvPr>
@@ -580,7 +580,7 @@
           <p:cNvPr id="3" name="竖排文字占位符 2">
             <a:extLst>
               <a:ext uri="{FF2B5EF4-FFF2-40B4-BE49-F238E27FC236}">
-                <a16:creationId xmlns:a16="http://schemas.microsoft.com/office/drawing/2014/main" id="{7D1B3D2C-A985-52BE-09CA-401A793AE81A}"/>
+                <a16:creationId xmlns:a16="http://schemas.microsoft.com/office/drawing/2014/main" id="{47ADDDAE-2C8D-7425-F3D5-7EFBE03E4DCF}"/>
               </a:ext>
             </a:extLst>
           </p:cNvPr>
@@ -642,7 +642,7 @@
           <p:cNvPr id="4" name="日期占位符 3">
             <a:extLst>
               <a:ext uri="{FF2B5EF4-FFF2-40B4-BE49-F238E27FC236}">
-                <a16:creationId xmlns:a16="http://schemas.microsoft.com/office/drawing/2014/main" id="{1FE82887-05C1-7DF5-1A95-DA8857899B92}"/>
+                <a16:creationId xmlns:a16="http://schemas.microsoft.com/office/drawing/2014/main" id="{AF3C3CE0-DFA7-8EDE-C066-B39D630D3933}"/>
               </a:ext>
             </a:extLst>
           </p:cNvPr>
@@ -658,7 +658,7 @@
           <a:bodyPr/>
           <a:lstStyle/>
           <a:p>
-            <a:fld id="{8DB99F02-701C-4977-A5E4-7BF68E32B155}" type="datetimeFigureOut">
+            <a:fld id="{9F022672-2ECA-45F3-B379-E6880AFA84DA}" type="datetimeFigureOut">
               <a:rPr lang="zh-CN" altLang="en-US" smtClean="0"/>
               <a:t>2024/3/10</a:t>
             </a:fld>
@@ -671,7 +671,7 @@
           <p:cNvPr id="5" name="页脚占位符 4">
             <a:extLst>
               <a:ext uri="{FF2B5EF4-FFF2-40B4-BE49-F238E27FC236}">
-                <a16:creationId xmlns:a16="http://schemas.microsoft.com/office/drawing/2014/main" id="{7E5C4512-9B5D-E099-B07F-D34BD352B96B}"/>
+                <a16:creationId xmlns:a16="http://schemas.microsoft.com/office/drawing/2014/main" id="{B4F29C3D-5B0A-B8DE-B355-F13E3C8F3B9B}"/>
               </a:ext>
             </a:extLst>
           </p:cNvPr>
@@ -696,7 +696,7 @@
           <p:cNvPr id="6" name="灯片编号占位符 5">
             <a:extLst>
               <a:ext uri="{FF2B5EF4-FFF2-40B4-BE49-F238E27FC236}">
-                <a16:creationId xmlns:a16="http://schemas.microsoft.com/office/drawing/2014/main" id="{F8F52377-7ED0-A1E0-22A4-B32211CCF614}"/>
+                <a16:creationId xmlns:a16="http://schemas.microsoft.com/office/drawing/2014/main" id="{652285E0-5FF8-A340-FE18-2E2813E12E93}"/>
               </a:ext>
             </a:extLst>
           </p:cNvPr>
@@ -712,7 +712,7 @@
           <a:bodyPr/>
           <a:lstStyle/>
           <a:p>
-            <a:fld id="{7EB7C1C3-E3ED-4522-BCEA-631639F210A3}" type="slidenum">
+            <a:fld id="{77CFFC78-6514-4E65-AA0D-2C795A4200CF}" type="slidenum">
               <a:rPr lang="zh-CN" altLang="en-US" smtClean="0"/>
               <a:t>‹#›</a:t>
             </a:fld>
@@ -723,7 +723,7 @@
     </p:spTree>
     <p:extLst>
       <p:ext uri="{BB962C8B-B14F-4D97-AF65-F5344CB8AC3E}">
-        <p14:creationId xmlns:p14="http://schemas.microsoft.com/office/powerpoint/2010/main" val="3976957030"/>
+        <p14:creationId xmlns:p14="http://schemas.microsoft.com/office/powerpoint/2010/main" val="975645998"/>
       </p:ext>
     </p:extLst>
   </p:cSld>
@@ -755,7 +755,7 @@
           <p:cNvPr id="2" name="标题 1">
             <a:extLst>
               <a:ext uri="{FF2B5EF4-FFF2-40B4-BE49-F238E27FC236}">
-                <a16:creationId xmlns:a16="http://schemas.microsoft.com/office/drawing/2014/main" id="{2205AA39-CEA0-CFE1-CC60-8BBAC31104FC}"/>
+                <a16:creationId xmlns:a16="http://schemas.microsoft.com/office/drawing/2014/main" id="{0AEC78FD-E137-0F56-19C2-744BA7AEF80E}"/>
               </a:ext>
             </a:extLst>
           </p:cNvPr>
@@ -783,7 +783,7 @@
           <p:cNvPr id="3" name="内容占位符 2">
             <a:extLst>
               <a:ext uri="{FF2B5EF4-FFF2-40B4-BE49-F238E27FC236}">
-                <a16:creationId xmlns:a16="http://schemas.microsoft.com/office/drawing/2014/main" id="{34EA0834-6AD5-FB12-F349-B83B1A498832}"/>
+                <a16:creationId xmlns:a16="http://schemas.microsoft.com/office/drawing/2014/main" id="{8E81BD30-08F8-865D-5017-2972681DC67B}"/>
               </a:ext>
             </a:extLst>
           </p:cNvPr>
@@ -840,7 +840,7 @@
           <p:cNvPr id="4" name="日期占位符 3">
             <a:extLst>
               <a:ext uri="{FF2B5EF4-FFF2-40B4-BE49-F238E27FC236}">
-                <a16:creationId xmlns:a16="http://schemas.microsoft.com/office/drawing/2014/main" id="{8B7FFB17-2820-3D19-F970-75F9FF5E6C44}"/>
+                <a16:creationId xmlns:a16="http://schemas.microsoft.com/office/drawing/2014/main" id="{C16F8970-5B65-C6DB-E380-CC7A097BD993}"/>
               </a:ext>
             </a:extLst>
           </p:cNvPr>
@@ -856,7 +856,7 @@
           <a:bodyPr/>
           <a:lstStyle/>
           <a:p>
-            <a:fld id="{8DB99F02-701C-4977-A5E4-7BF68E32B155}" type="datetimeFigureOut">
+            <a:fld id="{9F022672-2ECA-45F3-B379-E6880AFA84DA}" type="datetimeFigureOut">
               <a:rPr lang="zh-CN" altLang="en-US" smtClean="0"/>
               <a:t>2024/3/10</a:t>
             </a:fld>
@@ -869,7 +869,7 @@
           <p:cNvPr id="5" name="页脚占位符 4">
             <a:extLst>
               <a:ext uri="{FF2B5EF4-FFF2-40B4-BE49-F238E27FC236}">
-                <a16:creationId xmlns:a16="http://schemas.microsoft.com/office/drawing/2014/main" id="{086421E8-A8EE-EB2E-DE6B-40AC93C14B7D}"/>
+                <a16:creationId xmlns:a16="http://schemas.microsoft.com/office/drawing/2014/main" id="{06F8DCD4-3052-399A-2866-E70FE235361F}"/>
               </a:ext>
             </a:extLst>
           </p:cNvPr>
@@ -894,7 +894,7 @@
           <p:cNvPr id="6" name="灯片编号占位符 5">
             <a:extLst>
               <a:ext uri="{FF2B5EF4-FFF2-40B4-BE49-F238E27FC236}">
-                <a16:creationId xmlns:a16="http://schemas.microsoft.com/office/drawing/2014/main" id="{62307D1E-A25D-DC6A-0549-55054518D5A4}"/>
+                <a16:creationId xmlns:a16="http://schemas.microsoft.com/office/drawing/2014/main" id="{3885B954-1EB8-1581-58DE-1B05532DCE3E}"/>
               </a:ext>
             </a:extLst>
           </p:cNvPr>
@@ -910,7 +910,7 @@
           <a:bodyPr/>
           <a:lstStyle/>
           <a:p>
-            <a:fld id="{7EB7C1C3-E3ED-4522-BCEA-631639F210A3}" type="slidenum">
+            <a:fld id="{77CFFC78-6514-4E65-AA0D-2C795A4200CF}" type="slidenum">
               <a:rPr lang="zh-CN" altLang="en-US" smtClean="0"/>
               <a:t>‹#›</a:t>
             </a:fld>
@@ -921,7 +921,7 @@
     </p:spTree>
     <p:extLst>
       <p:ext uri="{BB962C8B-B14F-4D97-AF65-F5344CB8AC3E}">
-        <p14:creationId xmlns:p14="http://schemas.microsoft.com/office/powerpoint/2010/main" val="721606350"/>
+        <p14:creationId xmlns:p14="http://schemas.microsoft.com/office/powerpoint/2010/main" val="2695033"/>
       </p:ext>
     </p:extLst>
   </p:cSld>
@@ -953,7 +953,7 @@
           <p:cNvPr id="2" name="标题 1">
             <a:extLst>
               <a:ext uri="{FF2B5EF4-FFF2-40B4-BE49-F238E27FC236}">
-                <a16:creationId xmlns:a16="http://schemas.microsoft.com/office/drawing/2014/main" id="{F381E3BF-2742-68AE-3E3B-14E277048745}"/>
+                <a16:creationId xmlns:a16="http://schemas.microsoft.com/office/drawing/2014/main" id="{D434F7F2-6620-F9E7-864C-FF60B11020D4}"/>
               </a:ext>
             </a:extLst>
           </p:cNvPr>
@@ -990,7 +990,7 @@
           <p:cNvPr id="3" name="文本占位符 2">
             <a:extLst>
               <a:ext uri="{FF2B5EF4-FFF2-40B4-BE49-F238E27FC236}">
-                <a16:creationId xmlns:a16="http://schemas.microsoft.com/office/drawing/2014/main" id="{CADD81CA-EEE6-4ACB-2291-5795099003F1}"/>
+                <a16:creationId xmlns:a16="http://schemas.microsoft.com/office/drawing/2014/main" id="{3D6921DC-CF10-BC22-267E-A3E2CCFCE473}"/>
               </a:ext>
             </a:extLst>
           </p:cNvPr>
@@ -1115,7 +1115,7 @@
           <p:cNvPr id="4" name="日期占位符 3">
             <a:extLst>
               <a:ext uri="{FF2B5EF4-FFF2-40B4-BE49-F238E27FC236}">
-                <a16:creationId xmlns:a16="http://schemas.microsoft.com/office/drawing/2014/main" id="{E55AD38D-C13B-3B22-2510-0EBA5B029521}"/>
+                <a16:creationId xmlns:a16="http://schemas.microsoft.com/office/drawing/2014/main" id="{AEDD758B-7D79-7B61-781B-AF708231AE8C}"/>
               </a:ext>
             </a:extLst>
           </p:cNvPr>
@@ -1131,7 +1131,7 @@
           <a:bodyPr/>
           <a:lstStyle/>
           <a:p>
-            <a:fld id="{8DB99F02-701C-4977-A5E4-7BF68E32B155}" type="datetimeFigureOut">
+            <a:fld id="{9F022672-2ECA-45F3-B379-E6880AFA84DA}" type="datetimeFigureOut">
               <a:rPr lang="zh-CN" altLang="en-US" smtClean="0"/>
               <a:t>2024/3/10</a:t>
             </a:fld>
@@ -1144,7 +1144,7 @@
           <p:cNvPr id="5" name="页脚占位符 4">
             <a:extLst>
               <a:ext uri="{FF2B5EF4-FFF2-40B4-BE49-F238E27FC236}">
-                <a16:creationId xmlns:a16="http://schemas.microsoft.com/office/drawing/2014/main" id="{59CB7E0D-4CAD-FA05-6830-3E729485E0D1}"/>
+                <a16:creationId xmlns:a16="http://schemas.microsoft.com/office/drawing/2014/main" id="{7A478246-2615-8B1F-F6CA-DFBC485A133B}"/>
               </a:ext>
             </a:extLst>
           </p:cNvPr>
@@ -1169,7 +1169,7 @@
           <p:cNvPr id="6" name="灯片编号占位符 5">
             <a:extLst>
               <a:ext uri="{FF2B5EF4-FFF2-40B4-BE49-F238E27FC236}">
-                <a16:creationId xmlns:a16="http://schemas.microsoft.com/office/drawing/2014/main" id="{313A736D-EF23-8FE9-8845-A17D7CD690C6}"/>
+                <a16:creationId xmlns:a16="http://schemas.microsoft.com/office/drawing/2014/main" id="{6DE5F98E-84CF-DCD5-D92E-5DD77941C0A6}"/>
               </a:ext>
             </a:extLst>
           </p:cNvPr>
@@ -1185,7 +1185,7 @@
           <a:bodyPr/>
           <a:lstStyle/>
           <a:p>
-            <a:fld id="{7EB7C1C3-E3ED-4522-BCEA-631639F210A3}" type="slidenum">
+            <a:fld id="{77CFFC78-6514-4E65-AA0D-2C795A4200CF}" type="slidenum">
               <a:rPr lang="zh-CN" altLang="en-US" smtClean="0"/>
               <a:t>‹#›</a:t>
             </a:fld>
@@ -1196,7 +1196,7 @@
     </p:spTree>
     <p:extLst>
       <p:ext uri="{BB962C8B-B14F-4D97-AF65-F5344CB8AC3E}">
-        <p14:creationId xmlns:p14="http://schemas.microsoft.com/office/powerpoint/2010/main" val="2614522342"/>
+        <p14:creationId xmlns:p14="http://schemas.microsoft.com/office/powerpoint/2010/main" val="2402521183"/>
       </p:ext>
     </p:extLst>
   </p:cSld>
@@ -1228,7 +1228,7 @@
           <p:cNvPr id="2" name="标题 1">
             <a:extLst>
               <a:ext uri="{FF2B5EF4-FFF2-40B4-BE49-F238E27FC236}">
-                <a16:creationId xmlns:a16="http://schemas.microsoft.com/office/drawing/2014/main" id="{4457DAE4-24A9-C1EB-48AB-66A01BE48DFF}"/>
+                <a16:creationId xmlns:a16="http://schemas.microsoft.com/office/drawing/2014/main" id="{11B1C632-21EE-3B34-032C-00A04AF8F77A}"/>
               </a:ext>
             </a:extLst>
           </p:cNvPr>
@@ -1256,7 +1256,7 @@
           <p:cNvPr id="3" name="内容占位符 2">
             <a:extLst>
               <a:ext uri="{FF2B5EF4-FFF2-40B4-BE49-F238E27FC236}">
-                <a16:creationId xmlns:a16="http://schemas.microsoft.com/office/drawing/2014/main" id="{83805963-429F-001D-31BB-72A3AB644283}"/>
+                <a16:creationId xmlns:a16="http://schemas.microsoft.com/office/drawing/2014/main" id="{940B2BE3-5A67-95F2-7B61-3B462237DF99}"/>
               </a:ext>
             </a:extLst>
           </p:cNvPr>
@@ -1318,7 +1318,7 @@
           <p:cNvPr id="4" name="内容占位符 3">
             <a:extLst>
               <a:ext uri="{FF2B5EF4-FFF2-40B4-BE49-F238E27FC236}">
-                <a16:creationId xmlns:a16="http://schemas.microsoft.com/office/drawing/2014/main" id="{379C9301-D37A-F104-EAD9-8D02DA810D60}"/>
+                <a16:creationId xmlns:a16="http://schemas.microsoft.com/office/drawing/2014/main" id="{F3C347D5-ACFA-30D5-8251-3A0FA4CA8AA1}"/>
               </a:ext>
             </a:extLst>
           </p:cNvPr>
@@ -1380,7 +1380,7 @@
           <p:cNvPr id="5" name="日期占位符 4">
             <a:extLst>
               <a:ext uri="{FF2B5EF4-FFF2-40B4-BE49-F238E27FC236}">
-                <a16:creationId xmlns:a16="http://schemas.microsoft.com/office/drawing/2014/main" id="{1F7F6FB7-9F6B-BC1C-0B41-B3AD63DDE725}"/>
+                <a16:creationId xmlns:a16="http://schemas.microsoft.com/office/drawing/2014/main" id="{BF1CB9F2-5E31-EF71-2FFE-985F1FE24D93}"/>
               </a:ext>
             </a:extLst>
           </p:cNvPr>
@@ -1396,7 +1396,7 @@
           <a:bodyPr/>
           <a:lstStyle/>
           <a:p>
-            <a:fld id="{8DB99F02-701C-4977-A5E4-7BF68E32B155}" type="datetimeFigureOut">
+            <a:fld id="{9F022672-2ECA-45F3-B379-E6880AFA84DA}" type="datetimeFigureOut">
               <a:rPr lang="zh-CN" altLang="en-US" smtClean="0"/>
               <a:t>2024/3/10</a:t>
             </a:fld>
@@ -1409,7 +1409,7 @@
           <p:cNvPr id="6" name="页脚占位符 5">
             <a:extLst>
               <a:ext uri="{FF2B5EF4-FFF2-40B4-BE49-F238E27FC236}">
-                <a16:creationId xmlns:a16="http://schemas.microsoft.com/office/drawing/2014/main" id="{E60D9175-240C-AF32-C2EF-30CAEFA3DFE4}"/>
+                <a16:creationId xmlns:a16="http://schemas.microsoft.com/office/drawing/2014/main" id="{F657FB92-7F2D-DA42-4BF9-9E977097EA5F}"/>
               </a:ext>
             </a:extLst>
           </p:cNvPr>
@@ -1434,7 +1434,7 @@
           <p:cNvPr id="7" name="灯片编号占位符 6">
             <a:extLst>
               <a:ext uri="{FF2B5EF4-FFF2-40B4-BE49-F238E27FC236}">
-                <a16:creationId xmlns:a16="http://schemas.microsoft.com/office/drawing/2014/main" id="{1CFEF8BF-5270-E866-5748-8342E6C555CB}"/>
+                <a16:creationId xmlns:a16="http://schemas.microsoft.com/office/drawing/2014/main" id="{CFE0CA04-F2E0-C0AE-51D0-CA146B92188B}"/>
               </a:ext>
             </a:extLst>
           </p:cNvPr>
@@ -1450,7 +1450,7 @@
           <a:bodyPr/>
           <a:lstStyle/>
           <a:p>
-            <a:fld id="{7EB7C1C3-E3ED-4522-BCEA-631639F210A3}" type="slidenum">
+            <a:fld id="{77CFFC78-6514-4E65-AA0D-2C795A4200CF}" type="slidenum">
               <a:rPr lang="zh-CN" altLang="en-US" smtClean="0"/>
               <a:t>‹#›</a:t>
             </a:fld>
@@ -1461,7 +1461,7 @@
     </p:spTree>
     <p:extLst>
       <p:ext uri="{BB962C8B-B14F-4D97-AF65-F5344CB8AC3E}">
-        <p14:creationId xmlns:p14="http://schemas.microsoft.com/office/powerpoint/2010/main" val="1497723540"/>
+        <p14:creationId xmlns:p14="http://schemas.microsoft.com/office/powerpoint/2010/main" val="551558800"/>
       </p:ext>
     </p:extLst>
   </p:cSld>
@@ -1493,7 +1493,7 @@
           <p:cNvPr id="2" name="标题 1">
             <a:extLst>
               <a:ext uri="{FF2B5EF4-FFF2-40B4-BE49-F238E27FC236}">
-                <a16:creationId xmlns:a16="http://schemas.microsoft.com/office/drawing/2014/main" id="{E6E22DC0-2F07-4A1F-EF66-81A5329F7A29}"/>
+                <a16:creationId xmlns:a16="http://schemas.microsoft.com/office/drawing/2014/main" id="{6015B61D-9110-633A-6A92-D223F076CDF6}"/>
               </a:ext>
             </a:extLst>
           </p:cNvPr>
@@ -1526,7 +1526,7 @@
           <p:cNvPr id="3" name="文本占位符 2">
             <a:extLst>
               <a:ext uri="{FF2B5EF4-FFF2-40B4-BE49-F238E27FC236}">
-                <a16:creationId xmlns:a16="http://schemas.microsoft.com/office/drawing/2014/main" id="{7352119E-FA67-D745-BFEC-F202408C8358}"/>
+                <a16:creationId xmlns:a16="http://schemas.microsoft.com/office/drawing/2014/main" id="{3AFB4029-B8E2-1932-11FB-A24202CA9E55}"/>
               </a:ext>
             </a:extLst>
           </p:cNvPr>
@@ -1597,7 +1597,7 @@
           <p:cNvPr id="4" name="内容占位符 3">
             <a:extLst>
               <a:ext uri="{FF2B5EF4-FFF2-40B4-BE49-F238E27FC236}">
-                <a16:creationId xmlns:a16="http://schemas.microsoft.com/office/drawing/2014/main" id="{9551AE24-1019-2F73-EB3C-0CC0F4A4068E}"/>
+                <a16:creationId xmlns:a16="http://schemas.microsoft.com/office/drawing/2014/main" id="{B2DD1637-B48B-AE07-CC7A-9F48C8205987}"/>
               </a:ext>
             </a:extLst>
           </p:cNvPr>
@@ -1659,7 +1659,7 @@
           <p:cNvPr id="5" name="文本占位符 4">
             <a:extLst>
               <a:ext uri="{FF2B5EF4-FFF2-40B4-BE49-F238E27FC236}">
-                <a16:creationId xmlns:a16="http://schemas.microsoft.com/office/drawing/2014/main" id="{731052A4-7908-2D82-2759-AA4D3B9DDB73}"/>
+                <a16:creationId xmlns:a16="http://schemas.microsoft.com/office/drawing/2014/main" id="{AB694F55-F720-005B-5A42-CC0AD5812E89}"/>
               </a:ext>
             </a:extLst>
           </p:cNvPr>
@@ -1730,7 +1730,7 @@
           <p:cNvPr id="6" name="内容占位符 5">
             <a:extLst>
               <a:ext uri="{FF2B5EF4-FFF2-40B4-BE49-F238E27FC236}">
-                <a16:creationId xmlns:a16="http://schemas.microsoft.com/office/drawing/2014/main" id="{46CE3B24-15CB-B73D-0A11-B05B397E07DD}"/>
+                <a16:creationId xmlns:a16="http://schemas.microsoft.com/office/drawing/2014/main" id="{C1D3E7CD-4379-4131-489A-0FB438D3440C}"/>
               </a:ext>
             </a:extLst>
           </p:cNvPr>
@@ -1792,7 +1792,7 @@
           <p:cNvPr id="7" name="日期占位符 6">
             <a:extLst>
               <a:ext uri="{FF2B5EF4-FFF2-40B4-BE49-F238E27FC236}">
-                <a16:creationId xmlns:a16="http://schemas.microsoft.com/office/drawing/2014/main" id="{65DC6606-6F03-B761-115C-E07D9C4C8E49}"/>
+                <a16:creationId xmlns:a16="http://schemas.microsoft.com/office/drawing/2014/main" id="{A016DD78-BB22-DB3E-CF2B-38E402D25C24}"/>
               </a:ext>
             </a:extLst>
           </p:cNvPr>
@@ -1808,7 +1808,7 @@
           <a:bodyPr/>
           <a:lstStyle/>
           <a:p>
-            <a:fld id="{8DB99F02-701C-4977-A5E4-7BF68E32B155}" type="datetimeFigureOut">
+            <a:fld id="{9F022672-2ECA-45F3-B379-E6880AFA84DA}" type="datetimeFigureOut">
               <a:rPr lang="zh-CN" altLang="en-US" smtClean="0"/>
               <a:t>2024/3/10</a:t>
             </a:fld>
@@ -1821,7 +1821,7 @@
           <p:cNvPr id="8" name="页脚占位符 7">
             <a:extLst>
               <a:ext uri="{FF2B5EF4-FFF2-40B4-BE49-F238E27FC236}">
-                <a16:creationId xmlns:a16="http://schemas.microsoft.com/office/drawing/2014/main" id="{4ED54531-2522-246B-2FB8-9292CEB45380}"/>
+                <a16:creationId xmlns:a16="http://schemas.microsoft.com/office/drawing/2014/main" id="{88D18869-CA24-FF7B-3B9F-3E71FF32C833}"/>
               </a:ext>
             </a:extLst>
           </p:cNvPr>
@@ -1846,7 +1846,7 @@
           <p:cNvPr id="9" name="灯片编号占位符 8">
             <a:extLst>
               <a:ext uri="{FF2B5EF4-FFF2-40B4-BE49-F238E27FC236}">
-                <a16:creationId xmlns:a16="http://schemas.microsoft.com/office/drawing/2014/main" id="{A899AF79-53A7-FF23-4325-DCB8C2E3CC8F}"/>
+                <a16:creationId xmlns:a16="http://schemas.microsoft.com/office/drawing/2014/main" id="{6288E335-CADD-8248-6CF2-17FA7DD30DDA}"/>
               </a:ext>
             </a:extLst>
           </p:cNvPr>
@@ -1862,7 +1862,7 @@
           <a:bodyPr/>
           <a:lstStyle/>
           <a:p>
-            <a:fld id="{7EB7C1C3-E3ED-4522-BCEA-631639F210A3}" type="slidenum">
+            <a:fld id="{77CFFC78-6514-4E65-AA0D-2C795A4200CF}" type="slidenum">
               <a:rPr lang="zh-CN" altLang="en-US" smtClean="0"/>
               <a:t>‹#›</a:t>
             </a:fld>
@@ -1873,7 +1873,7 @@
     </p:spTree>
     <p:extLst>
       <p:ext uri="{BB962C8B-B14F-4D97-AF65-F5344CB8AC3E}">
-        <p14:creationId xmlns:p14="http://schemas.microsoft.com/office/powerpoint/2010/main" val="2078921079"/>
+        <p14:creationId xmlns:p14="http://schemas.microsoft.com/office/powerpoint/2010/main" val="2928816537"/>
       </p:ext>
     </p:extLst>
   </p:cSld>
@@ -1905,7 +1905,7 @@
           <p:cNvPr id="2" name="标题 1">
             <a:extLst>
               <a:ext uri="{FF2B5EF4-FFF2-40B4-BE49-F238E27FC236}">
-                <a16:creationId xmlns:a16="http://schemas.microsoft.com/office/drawing/2014/main" id="{9443433D-AEE6-99B1-09B7-71F3C2502615}"/>
+                <a16:creationId xmlns:a16="http://schemas.microsoft.com/office/drawing/2014/main" id="{A164FA08-799C-D87C-0AD5-5061DF922AE5}"/>
               </a:ext>
             </a:extLst>
           </p:cNvPr>
@@ -1933,7 +1933,7 @@
           <p:cNvPr id="3" name="日期占位符 2">
             <a:extLst>
               <a:ext uri="{FF2B5EF4-FFF2-40B4-BE49-F238E27FC236}">
-                <a16:creationId xmlns:a16="http://schemas.microsoft.com/office/drawing/2014/main" id="{9C3F6259-9806-D531-08A7-E7D551376E18}"/>
+                <a16:creationId xmlns:a16="http://schemas.microsoft.com/office/drawing/2014/main" id="{9B4DCF91-7273-921E-96FE-A7B9D370CC20}"/>
               </a:ext>
             </a:extLst>
           </p:cNvPr>
@@ -1949,7 +1949,7 @@
           <a:bodyPr/>
           <a:lstStyle/>
           <a:p>
-            <a:fld id="{8DB99F02-701C-4977-A5E4-7BF68E32B155}" type="datetimeFigureOut">
+            <a:fld id="{9F022672-2ECA-45F3-B379-E6880AFA84DA}" type="datetimeFigureOut">
               <a:rPr lang="zh-CN" altLang="en-US" smtClean="0"/>
               <a:t>2024/3/10</a:t>
             </a:fld>
@@ -1962,7 +1962,7 @@
           <p:cNvPr id="4" name="页脚占位符 3">
             <a:extLst>
               <a:ext uri="{FF2B5EF4-FFF2-40B4-BE49-F238E27FC236}">
-                <a16:creationId xmlns:a16="http://schemas.microsoft.com/office/drawing/2014/main" id="{8985DB22-9594-7802-08F1-83DA821883D2}"/>
+                <a16:creationId xmlns:a16="http://schemas.microsoft.com/office/drawing/2014/main" id="{05AE2E2F-E200-6BEE-21DF-C3268CD9F874}"/>
               </a:ext>
             </a:extLst>
           </p:cNvPr>
@@ -1987,7 +1987,7 @@
           <p:cNvPr id="5" name="灯片编号占位符 4">
             <a:extLst>
               <a:ext uri="{FF2B5EF4-FFF2-40B4-BE49-F238E27FC236}">
-                <a16:creationId xmlns:a16="http://schemas.microsoft.com/office/drawing/2014/main" id="{FB878932-B307-EB81-397B-8D478B13E69A}"/>
+                <a16:creationId xmlns:a16="http://schemas.microsoft.com/office/drawing/2014/main" id="{460FF096-6A9F-EFAB-8448-A5EFDA206905}"/>
               </a:ext>
             </a:extLst>
           </p:cNvPr>
@@ -2003,7 +2003,7 @@
           <a:bodyPr/>
           <a:lstStyle/>
           <a:p>
-            <a:fld id="{7EB7C1C3-E3ED-4522-BCEA-631639F210A3}" type="slidenum">
+            <a:fld id="{77CFFC78-6514-4E65-AA0D-2C795A4200CF}" type="slidenum">
               <a:rPr lang="zh-CN" altLang="en-US" smtClean="0"/>
               <a:t>‹#›</a:t>
             </a:fld>
@@ -2014,7 +2014,7 @@
     </p:spTree>
     <p:extLst>
       <p:ext uri="{BB962C8B-B14F-4D97-AF65-F5344CB8AC3E}">
-        <p14:creationId xmlns:p14="http://schemas.microsoft.com/office/powerpoint/2010/main" val="630866859"/>
+        <p14:creationId xmlns:p14="http://schemas.microsoft.com/office/powerpoint/2010/main" val="752491979"/>
       </p:ext>
     </p:extLst>
   </p:cSld>
@@ -2046,7 +2046,7 @@
           <p:cNvPr id="2" name="日期占位符 1">
             <a:extLst>
               <a:ext uri="{FF2B5EF4-FFF2-40B4-BE49-F238E27FC236}">
-                <a16:creationId xmlns:a16="http://schemas.microsoft.com/office/drawing/2014/main" id="{C0B9342F-C58E-63E9-23EA-4B9A22986C7F}"/>
+                <a16:creationId xmlns:a16="http://schemas.microsoft.com/office/drawing/2014/main" id="{2344EB44-C1CC-03F3-BCC2-804529671CE2}"/>
               </a:ext>
             </a:extLst>
           </p:cNvPr>
@@ -2062,7 +2062,7 @@
           <a:bodyPr/>
           <a:lstStyle/>
           <a:p>
-            <a:fld id="{8DB99F02-701C-4977-A5E4-7BF68E32B155}" type="datetimeFigureOut">
+            <a:fld id="{9F022672-2ECA-45F3-B379-E6880AFA84DA}" type="datetimeFigureOut">
               <a:rPr lang="zh-CN" altLang="en-US" smtClean="0"/>
               <a:t>2024/3/10</a:t>
             </a:fld>
@@ -2075,7 +2075,7 @@
           <p:cNvPr id="3" name="页脚占位符 2">
             <a:extLst>
               <a:ext uri="{FF2B5EF4-FFF2-40B4-BE49-F238E27FC236}">
-                <a16:creationId xmlns:a16="http://schemas.microsoft.com/office/drawing/2014/main" id="{F5B343C9-D775-FEF3-52C5-57C0A0E9B8BD}"/>
+                <a16:creationId xmlns:a16="http://schemas.microsoft.com/office/drawing/2014/main" id="{86B389EC-7326-10B2-03E1-E9BB0EC56311}"/>
               </a:ext>
             </a:extLst>
           </p:cNvPr>
@@ -2100,7 +2100,7 @@
           <p:cNvPr id="4" name="灯片编号占位符 3">
             <a:extLst>
               <a:ext uri="{FF2B5EF4-FFF2-40B4-BE49-F238E27FC236}">
-                <a16:creationId xmlns:a16="http://schemas.microsoft.com/office/drawing/2014/main" id="{5E01A210-08C4-3C65-C260-6827E90BC29E}"/>
+                <a16:creationId xmlns:a16="http://schemas.microsoft.com/office/drawing/2014/main" id="{AF41254D-7E02-92F6-C980-47E832317CAE}"/>
               </a:ext>
             </a:extLst>
           </p:cNvPr>
@@ -2116,7 +2116,7 @@
           <a:bodyPr/>
           <a:lstStyle/>
           <a:p>
-            <a:fld id="{7EB7C1C3-E3ED-4522-BCEA-631639F210A3}" type="slidenum">
+            <a:fld id="{77CFFC78-6514-4E65-AA0D-2C795A4200CF}" type="slidenum">
               <a:rPr lang="zh-CN" altLang="en-US" smtClean="0"/>
               <a:t>‹#›</a:t>
             </a:fld>
@@ -2127,7 +2127,7 @@
     </p:spTree>
     <p:extLst>
       <p:ext uri="{BB962C8B-B14F-4D97-AF65-F5344CB8AC3E}">
-        <p14:creationId xmlns:p14="http://schemas.microsoft.com/office/powerpoint/2010/main" val="371735147"/>
+        <p14:creationId xmlns:p14="http://schemas.microsoft.com/office/powerpoint/2010/main" val="2437910138"/>
       </p:ext>
     </p:extLst>
   </p:cSld>
@@ -2159,7 +2159,7 @@
           <p:cNvPr id="2" name="标题 1">
             <a:extLst>
               <a:ext uri="{FF2B5EF4-FFF2-40B4-BE49-F238E27FC236}">
-                <a16:creationId xmlns:a16="http://schemas.microsoft.com/office/drawing/2014/main" id="{B24A5BCA-2CA7-31CF-2ECE-A82DA47727FA}"/>
+                <a16:creationId xmlns:a16="http://schemas.microsoft.com/office/drawing/2014/main" id="{A950B2E5-F93F-8393-4E9C-F5A6BC7A79EE}"/>
               </a:ext>
             </a:extLst>
           </p:cNvPr>
@@ -2196,7 +2196,7 @@
           <p:cNvPr id="3" name="内容占位符 2">
             <a:extLst>
               <a:ext uri="{FF2B5EF4-FFF2-40B4-BE49-F238E27FC236}">
-                <a16:creationId xmlns:a16="http://schemas.microsoft.com/office/drawing/2014/main" id="{AC47E308-AB6E-F3D2-6569-7AE5169AD388}"/>
+                <a16:creationId xmlns:a16="http://schemas.microsoft.com/office/drawing/2014/main" id="{59E9EF48-87F3-4626-F7C8-7367EE1690EA}"/>
               </a:ext>
             </a:extLst>
           </p:cNvPr>
@@ -2286,7 +2286,7 @@
           <p:cNvPr id="4" name="文本占位符 3">
             <a:extLst>
               <a:ext uri="{FF2B5EF4-FFF2-40B4-BE49-F238E27FC236}">
-                <a16:creationId xmlns:a16="http://schemas.microsoft.com/office/drawing/2014/main" id="{BFE757C5-C606-3B18-221A-1737BC2B6F5E}"/>
+                <a16:creationId xmlns:a16="http://schemas.microsoft.com/office/drawing/2014/main" id="{4D6DAA5E-01EA-0BED-52FD-F08B621EBA06}"/>
               </a:ext>
             </a:extLst>
           </p:cNvPr>
@@ -2357,7 +2357,7 @@
           <p:cNvPr id="5" name="日期占位符 4">
             <a:extLst>
               <a:ext uri="{FF2B5EF4-FFF2-40B4-BE49-F238E27FC236}">
-                <a16:creationId xmlns:a16="http://schemas.microsoft.com/office/drawing/2014/main" id="{EAF7987C-CB24-CBB3-ACBA-8CEB437E5955}"/>
+                <a16:creationId xmlns:a16="http://schemas.microsoft.com/office/drawing/2014/main" id="{0232D3EF-7CA1-8F43-BBBE-E8A584F97945}"/>
               </a:ext>
             </a:extLst>
           </p:cNvPr>
@@ -2373,7 +2373,7 @@
           <a:bodyPr/>
           <a:lstStyle/>
           <a:p>
-            <a:fld id="{8DB99F02-701C-4977-A5E4-7BF68E32B155}" type="datetimeFigureOut">
+            <a:fld id="{9F022672-2ECA-45F3-B379-E6880AFA84DA}" type="datetimeFigureOut">
               <a:rPr lang="zh-CN" altLang="en-US" smtClean="0"/>
               <a:t>2024/3/10</a:t>
             </a:fld>
@@ -2386,7 +2386,7 @@
           <p:cNvPr id="6" name="页脚占位符 5">
             <a:extLst>
               <a:ext uri="{FF2B5EF4-FFF2-40B4-BE49-F238E27FC236}">
-                <a16:creationId xmlns:a16="http://schemas.microsoft.com/office/drawing/2014/main" id="{72CECE3F-79FE-D17C-FE98-29F9FEA3390A}"/>
+                <a16:creationId xmlns:a16="http://schemas.microsoft.com/office/drawing/2014/main" id="{CF033385-8978-71C3-867D-E3EFA7A674D1}"/>
               </a:ext>
             </a:extLst>
           </p:cNvPr>
@@ -2411,7 +2411,7 @@
           <p:cNvPr id="7" name="灯片编号占位符 6">
             <a:extLst>
               <a:ext uri="{FF2B5EF4-FFF2-40B4-BE49-F238E27FC236}">
-                <a16:creationId xmlns:a16="http://schemas.microsoft.com/office/drawing/2014/main" id="{C77BE785-A6E4-20AD-37E4-BBE47C03BD97}"/>
+                <a16:creationId xmlns:a16="http://schemas.microsoft.com/office/drawing/2014/main" id="{B9C53166-323C-F68E-C83A-E12FA44BF3B7}"/>
               </a:ext>
             </a:extLst>
           </p:cNvPr>
@@ -2427,7 +2427,7 @@
           <a:bodyPr/>
           <a:lstStyle/>
           <a:p>
-            <a:fld id="{7EB7C1C3-E3ED-4522-BCEA-631639F210A3}" type="slidenum">
+            <a:fld id="{77CFFC78-6514-4E65-AA0D-2C795A4200CF}" type="slidenum">
               <a:rPr lang="zh-CN" altLang="en-US" smtClean="0"/>
               <a:t>‹#›</a:t>
             </a:fld>
@@ -2438,7 +2438,7 @@
     </p:spTree>
     <p:extLst>
       <p:ext uri="{BB962C8B-B14F-4D97-AF65-F5344CB8AC3E}">
-        <p14:creationId xmlns:p14="http://schemas.microsoft.com/office/powerpoint/2010/main" val="3238762531"/>
+        <p14:creationId xmlns:p14="http://schemas.microsoft.com/office/powerpoint/2010/main" val="3686355495"/>
       </p:ext>
     </p:extLst>
   </p:cSld>
@@ -2470,7 +2470,7 @@
           <p:cNvPr id="2" name="标题 1">
             <a:extLst>
               <a:ext uri="{FF2B5EF4-FFF2-40B4-BE49-F238E27FC236}">
-                <a16:creationId xmlns:a16="http://schemas.microsoft.com/office/drawing/2014/main" id="{AFCF9CFF-9995-A7B4-433B-E1FE1B7C9777}"/>
+                <a16:creationId xmlns:a16="http://schemas.microsoft.com/office/drawing/2014/main" id="{DD108C31-532B-C101-BA69-F312FAE6B9BE}"/>
               </a:ext>
             </a:extLst>
           </p:cNvPr>
@@ -2507,7 +2507,7 @@
           <p:cNvPr id="3" name="图片占位符 2">
             <a:extLst>
               <a:ext uri="{FF2B5EF4-FFF2-40B4-BE49-F238E27FC236}">
-                <a16:creationId xmlns:a16="http://schemas.microsoft.com/office/drawing/2014/main" id="{6A06FC81-DB68-FE00-C6CB-0655A40BE44B}"/>
+                <a16:creationId xmlns:a16="http://schemas.microsoft.com/office/drawing/2014/main" id="{011CA4ED-B7EF-7365-3C53-7252784ACD29}"/>
               </a:ext>
             </a:extLst>
           </p:cNvPr>
@@ -2574,7 +2574,7 @@
           <p:cNvPr id="4" name="文本占位符 3">
             <a:extLst>
               <a:ext uri="{FF2B5EF4-FFF2-40B4-BE49-F238E27FC236}">
-                <a16:creationId xmlns:a16="http://schemas.microsoft.com/office/drawing/2014/main" id="{3C3B2A5A-9A8B-6B60-4EF3-D8AC87A38F26}"/>
+                <a16:creationId xmlns:a16="http://schemas.microsoft.com/office/drawing/2014/main" id="{0692637D-18BB-0F76-EC9B-B5F7D5D29D69}"/>
               </a:ext>
             </a:extLst>
           </p:cNvPr>
@@ -2645,7 +2645,7 @@
           <p:cNvPr id="5" name="日期占位符 4">
             <a:extLst>
               <a:ext uri="{FF2B5EF4-FFF2-40B4-BE49-F238E27FC236}">
-                <a16:creationId xmlns:a16="http://schemas.microsoft.com/office/drawing/2014/main" id="{23776883-3A7D-20CE-2099-967C9DFC3900}"/>
+                <a16:creationId xmlns:a16="http://schemas.microsoft.com/office/drawing/2014/main" id="{564ED30B-3D99-6D86-5DFC-A37BCF6D3706}"/>
               </a:ext>
             </a:extLst>
           </p:cNvPr>
@@ -2661,7 +2661,7 @@
           <a:bodyPr/>
           <a:lstStyle/>
           <a:p>
-            <a:fld id="{8DB99F02-701C-4977-A5E4-7BF68E32B155}" type="datetimeFigureOut">
+            <a:fld id="{9F022672-2ECA-45F3-B379-E6880AFA84DA}" type="datetimeFigureOut">
               <a:rPr lang="zh-CN" altLang="en-US" smtClean="0"/>
               <a:t>2024/3/10</a:t>
             </a:fld>
@@ -2674,7 +2674,7 @@
           <p:cNvPr id="6" name="页脚占位符 5">
             <a:extLst>
               <a:ext uri="{FF2B5EF4-FFF2-40B4-BE49-F238E27FC236}">
-                <a16:creationId xmlns:a16="http://schemas.microsoft.com/office/drawing/2014/main" id="{D4108DBC-C1E3-0610-DF4E-1C5A2A035219}"/>
+                <a16:creationId xmlns:a16="http://schemas.microsoft.com/office/drawing/2014/main" id="{D2560AB5-0934-026B-2BFC-BE8C03D026B3}"/>
               </a:ext>
             </a:extLst>
           </p:cNvPr>
@@ -2699,7 +2699,7 @@
           <p:cNvPr id="7" name="灯片编号占位符 6">
             <a:extLst>
               <a:ext uri="{FF2B5EF4-FFF2-40B4-BE49-F238E27FC236}">
-                <a16:creationId xmlns:a16="http://schemas.microsoft.com/office/drawing/2014/main" id="{E5FA0BC4-6998-54BC-484F-D5EA7C825C90}"/>
+                <a16:creationId xmlns:a16="http://schemas.microsoft.com/office/drawing/2014/main" id="{FA90FA93-E64F-289C-2CE4-91A43616B407}"/>
               </a:ext>
             </a:extLst>
           </p:cNvPr>
@@ -2715,7 +2715,7 @@
           <a:bodyPr/>
           <a:lstStyle/>
           <a:p>
-            <a:fld id="{7EB7C1C3-E3ED-4522-BCEA-631639F210A3}" type="slidenum">
+            <a:fld id="{77CFFC78-6514-4E65-AA0D-2C795A4200CF}" type="slidenum">
               <a:rPr lang="zh-CN" altLang="en-US" smtClean="0"/>
               <a:t>‹#›</a:t>
             </a:fld>
@@ -2726,7 +2726,7 @@
     </p:spTree>
     <p:extLst>
       <p:ext uri="{BB962C8B-B14F-4D97-AF65-F5344CB8AC3E}">
-        <p14:creationId xmlns:p14="http://schemas.microsoft.com/office/powerpoint/2010/main" val="1507930856"/>
+        <p14:creationId xmlns:p14="http://schemas.microsoft.com/office/powerpoint/2010/main" val="3949339646"/>
       </p:ext>
     </p:extLst>
   </p:cSld>
@@ -2763,7 +2763,7 @@
           <p:cNvPr id="2" name="标题占位符 1">
             <a:extLst>
               <a:ext uri="{FF2B5EF4-FFF2-40B4-BE49-F238E27FC236}">
-                <a16:creationId xmlns:a16="http://schemas.microsoft.com/office/drawing/2014/main" id="{564486B7-A156-2624-98D2-91BD804F0366}"/>
+                <a16:creationId xmlns:a16="http://schemas.microsoft.com/office/drawing/2014/main" id="{7C752584-2865-167F-9453-44AD89C8F147}"/>
               </a:ext>
             </a:extLst>
           </p:cNvPr>
@@ -2801,7 +2801,7 @@
           <p:cNvPr id="3" name="文本占位符 2">
             <a:extLst>
               <a:ext uri="{FF2B5EF4-FFF2-40B4-BE49-F238E27FC236}">
-                <a16:creationId xmlns:a16="http://schemas.microsoft.com/office/drawing/2014/main" id="{9267FA70-A359-2CFF-F6D7-FAB7EF47C3D7}"/>
+                <a16:creationId xmlns:a16="http://schemas.microsoft.com/office/drawing/2014/main" id="{1937BD1A-24AD-78F4-7A4A-7EAAA0A62F98}"/>
               </a:ext>
             </a:extLst>
           </p:cNvPr>
@@ -2868,7 +2868,7 @@
           <p:cNvPr id="4" name="日期占位符 3">
             <a:extLst>
               <a:ext uri="{FF2B5EF4-FFF2-40B4-BE49-F238E27FC236}">
-                <a16:creationId xmlns:a16="http://schemas.microsoft.com/office/drawing/2014/main" id="{13DF4E4D-1C5C-7224-860E-2C048074A636}"/>
+                <a16:creationId xmlns:a16="http://schemas.microsoft.com/office/drawing/2014/main" id="{C6760A5F-6738-7174-98A3-CDEF2C983B61}"/>
               </a:ext>
             </a:extLst>
           </p:cNvPr>
@@ -2902,7 +2902,7 @@
             </a:lvl1pPr>
           </a:lstStyle>
           <a:p>
-            <a:fld id="{8DB99F02-701C-4977-A5E4-7BF68E32B155}" type="datetimeFigureOut">
+            <a:fld id="{9F022672-2ECA-45F3-B379-E6880AFA84DA}" type="datetimeFigureOut">
               <a:rPr lang="zh-CN" altLang="en-US" smtClean="0"/>
               <a:t>2024/3/10</a:t>
             </a:fld>
@@ -2915,7 +2915,7 @@
           <p:cNvPr id="5" name="页脚占位符 4">
             <a:extLst>
               <a:ext uri="{FF2B5EF4-FFF2-40B4-BE49-F238E27FC236}">
-                <a16:creationId xmlns:a16="http://schemas.microsoft.com/office/drawing/2014/main" id="{A2A3A951-84EF-580B-FFD5-433FCEFC3920}"/>
+                <a16:creationId xmlns:a16="http://schemas.microsoft.com/office/drawing/2014/main" id="{7BACE447-C8DC-CE70-5063-F53F1161A52B}"/>
               </a:ext>
             </a:extLst>
           </p:cNvPr>
@@ -2958,7 +2958,7 @@
           <p:cNvPr id="6" name="灯片编号占位符 5">
             <a:extLst>
               <a:ext uri="{FF2B5EF4-FFF2-40B4-BE49-F238E27FC236}">
-                <a16:creationId xmlns:a16="http://schemas.microsoft.com/office/drawing/2014/main" id="{156707E3-9851-9504-635A-6F4AE4C44062}"/>
+                <a16:creationId xmlns:a16="http://schemas.microsoft.com/office/drawing/2014/main" id="{1608BE40-5801-EEF0-917A-77734213B950}"/>
               </a:ext>
             </a:extLst>
           </p:cNvPr>
@@ -2992,7 +2992,7 @@
             </a:lvl1pPr>
           </a:lstStyle>
           <a:p>
-            <a:fld id="{7EB7C1C3-E3ED-4522-BCEA-631639F210A3}" type="slidenum">
+            <a:fld id="{77CFFC78-6514-4E65-AA0D-2C795A4200CF}" type="slidenum">
               <a:rPr lang="zh-CN" altLang="en-US" smtClean="0"/>
               <a:t>‹#›</a:t>
             </a:fld>
@@ -3003,7 +3003,7 @@
     </p:spTree>
     <p:extLst>
       <p:ext uri="{BB962C8B-B14F-4D97-AF65-F5344CB8AC3E}">
-        <p14:creationId xmlns:p14="http://schemas.microsoft.com/office/powerpoint/2010/main" val="2456351998"/>
+        <p14:creationId xmlns:p14="http://schemas.microsoft.com/office/powerpoint/2010/main" val="3042877874"/>
       </p:ext>
     </p:extLst>
   </p:cSld>
@@ -3323,7 +3323,7 @@
       </p:grpSpPr>
       <p:pic>
         <p:nvPicPr>
-          <p:cNvPr id="1455106" name="Picture 2" descr="1420"/>
+          <p:cNvPr id="1456130" name="Picture 2" descr="1421"/>
           <p:cNvPicPr>
             <a:picLocks noChangeAspect="1" noChangeArrowheads="1"/>
           </p:cNvPicPr>
@@ -3344,8 +3344,8 @@
         </p:blipFill>
         <p:spPr bwMode="auto">
           <a:xfrm>
-            <a:off x="1524000" y="0"/>
-            <a:ext cx="9144000" cy="4292600"/>
+            <a:off x="1524000" y="1"/>
+            <a:ext cx="9144000" cy="4652963"/>
           </a:xfrm>
           <a:prstGeom prst="rect">
             <a:avLst/>
